--- a/Presentazione esame.pptx
+++ b/Presentazione esame.pptx
@@ -130,7 +130,7 @@
   <pc:docChgLst>
     <pc:chgData name="Andrea Fava - andrea.fava8@studio.unibo.it" userId="f9a023ad-9832-4e79-877f-16d81832a69d" providerId="ADAL" clId="{29A29D5B-3904-4590-A919-76F14AE52B49}"/>
     <pc:docChg chg="undo custSel addSld delSld modSld sldOrd">
-      <pc:chgData name="Andrea Fava - andrea.fava8@studio.unibo.it" userId="f9a023ad-9832-4e79-877f-16d81832a69d" providerId="ADAL" clId="{29A29D5B-3904-4590-A919-76F14AE52B49}" dt="2024-07-15T15:10:36.618" v="1572" actId="20577"/>
+      <pc:chgData name="Andrea Fava - andrea.fava8@studio.unibo.it" userId="f9a023ad-9832-4e79-877f-16d81832a69d" providerId="ADAL" clId="{29A29D5B-3904-4590-A919-76F14AE52B49}" dt="2024-07-28T16:18:29.951" v="1587" actId="20577"/>
       <pc:docMkLst>
         <pc:docMk/>
       </pc:docMkLst>
@@ -628,13 +628,13 @@
         </pc:cxnChg>
       </pc:sldChg>
       <pc:sldChg chg="addSp modSp mod ord setBg">
-        <pc:chgData name="Andrea Fava - andrea.fava8@studio.unibo.it" userId="f9a023ad-9832-4e79-877f-16d81832a69d" providerId="ADAL" clId="{29A29D5B-3904-4590-A919-76F14AE52B49}" dt="2024-07-15T15:10:36.618" v="1572" actId="20577"/>
+        <pc:chgData name="Andrea Fava - andrea.fava8@studio.unibo.it" userId="f9a023ad-9832-4e79-877f-16d81832a69d" providerId="ADAL" clId="{29A29D5B-3904-4590-A919-76F14AE52B49}" dt="2024-07-28T16:18:15.640" v="1574" actId="20577"/>
         <pc:sldMkLst>
           <pc:docMk/>
           <pc:sldMk cId="48778703" sldId="259"/>
         </pc:sldMkLst>
         <pc:spChg chg="mod">
-          <ac:chgData name="Andrea Fava - andrea.fava8@studio.unibo.it" userId="f9a023ad-9832-4e79-877f-16d81832a69d" providerId="ADAL" clId="{29A29D5B-3904-4590-A919-76F14AE52B49}" dt="2024-07-04T14:22:18.524" v="982" actId="26606"/>
+          <ac:chgData name="Andrea Fava - andrea.fava8@studio.unibo.it" userId="f9a023ad-9832-4e79-877f-16d81832a69d" providerId="ADAL" clId="{29A29D5B-3904-4590-A919-76F14AE52B49}" dt="2024-07-28T16:18:10.677" v="1573" actId="14100"/>
           <ac:spMkLst>
             <pc:docMk/>
             <pc:sldMk cId="48778703" sldId="259"/>
@@ -642,7 +642,7 @@
           </ac:spMkLst>
         </pc:spChg>
         <pc:spChg chg="mod">
-          <ac:chgData name="Andrea Fava - andrea.fava8@studio.unibo.it" userId="f9a023ad-9832-4e79-877f-16d81832a69d" providerId="ADAL" clId="{29A29D5B-3904-4590-A919-76F14AE52B49}" dt="2024-07-15T15:10:36.618" v="1572" actId="20577"/>
+          <ac:chgData name="Andrea Fava - andrea.fava8@studio.unibo.it" userId="f9a023ad-9832-4e79-877f-16d81832a69d" providerId="ADAL" clId="{29A29D5B-3904-4590-A919-76F14AE52B49}" dt="2024-07-28T16:18:15.640" v="1574" actId="20577"/>
           <ac:spMkLst>
             <pc:docMk/>
             <pc:sldMk cId="48778703" sldId="259"/>
@@ -730,7 +730,7 @@
         </pc:grpChg>
       </pc:sldChg>
       <pc:sldChg chg="addSp delSp modSp new mod setBg modClrScheme chgLayout">
-        <pc:chgData name="Andrea Fava - andrea.fava8@studio.unibo.it" userId="f9a023ad-9832-4e79-877f-16d81832a69d" providerId="ADAL" clId="{29A29D5B-3904-4590-A919-76F14AE52B49}" dt="2024-07-05T15:45:06.708" v="1017" actId="26606"/>
+        <pc:chgData name="Andrea Fava - andrea.fava8@studio.unibo.it" userId="f9a023ad-9832-4e79-877f-16d81832a69d" providerId="ADAL" clId="{29A29D5B-3904-4590-A919-76F14AE52B49}" dt="2024-07-28T16:18:29.951" v="1587" actId="20577"/>
         <pc:sldMkLst>
           <pc:docMk/>
           <pc:sldMk cId="2297137472" sldId="261"/>
@@ -768,7 +768,7 @@
           </ac:spMkLst>
         </pc:spChg>
         <pc:spChg chg="add mod ord">
-          <ac:chgData name="Andrea Fava - andrea.fava8@studio.unibo.it" userId="f9a023ad-9832-4e79-877f-16d81832a69d" providerId="ADAL" clId="{29A29D5B-3904-4590-A919-76F14AE52B49}" dt="2024-07-05T15:45:06.708" v="1017" actId="26606"/>
+          <ac:chgData name="Andrea Fava - andrea.fava8@studio.unibo.it" userId="f9a023ad-9832-4e79-877f-16d81832a69d" providerId="ADAL" clId="{29A29D5B-3904-4590-A919-76F14AE52B49}" dt="2024-07-28T16:18:29.951" v="1587" actId="20577"/>
           <ac:spMkLst>
             <pc:docMk/>
             <pc:sldMk cId="2297137472" sldId="261"/>
@@ -976,7 +976,7 @@
             <a:fld id="{76969C88-B244-455D-A017-012B25B1ACDD}" type="datetimeFigureOut">
               <a:rPr lang="en-US" smtClean="0"/>
               <a:pPr/>
-              <a:t>7/15/2024</a:t>
+              <a:t>7/28/2024</a:t>
             </a:fld>
             <a:endParaRPr lang="en-US"/>
           </a:p>
@@ -1176,7 +1176,7 @@
             <a:fld id="{76969C88-B244-455D-A017-012B25B1ACDD}" type="datetimeFigureOut">
               <a:rPr lang="en-US" smtClean="0"/>
               <a:pPr/>
-              <a:t>7/15/2024</a:t>
+              <a:t>7/28/2024</a:t>
             </a:fld>
             <a:endParaRPr lang="en-US"/>
           </a:p>
@@ -1386,7 +1386,7 @@
             <a:fld id="{76969C88-B244-455D-A017-012B25B1ACDD}" type="datetimeFigureOut">
               <a:rPr lang="en-US" smtClean="0"/>
               <a:pPr/>
-              <a:t>7/15/2024</a:t>
+              <a:t>7/28/2024</a:t>
             </a:fld>
             <a:endParaRPr lang="en-US"/>
           </a:p>
@@ -1586,7 +1586,7 @@
             <a:fld id="{76969C88-B244-455D-A017-012B25B1ACDD}" type="datetimeFigureOut">
               <a:rPr lang="en-US" smtClean="0"/>
               <a:pPr/>
-              <a:t>7/15/2024</a:t>
+              <a:t>7/28/2024</a:t>
             </a:fld>
             <a:endParaRPr lang="en-US"/>
           </a:p>
@@ -1863,7 +1863,7 @@
             <a:fld id="{76969C88-B244-455D-A017-012B25B1ACDD}" type="datetimeFigureOut">
               <a:rPr lang="en-US" smtClean="0"/>
               <a:pPr/>
-              <a:t>7/15/2024</a:t>
+              <a:t>7/28/2024</a:t>
             </a:fld>
             <a:endParaRPr lang="en-US"/>
           </a:p>
@@ -2130,7 +2130,7 @@
             <a:fld id="{76969C88-B244-455D-A017-012B25B1ACDD}" type="datetimeFigureOut">
               <a:rPr lang="en-US" smtClean="0"/>
               <a:pPr/>
-              <a:t>7/15/2024</a:t>
+              <a:t>7/28/2024</a:t>
             </a:fld>
             <a:endParaRPr lang="en-US"/>
           </a:p>
@@ -2544,7 +2544,7 @@
             <a:fld id="{76969C88-B244-455D-A017-012B25B1ACDD}" type="datetimeFigureOut">
               <a:rPr lang="en-US" smtClean="0"/>
               <a:pPr/>
-              <a:t>7/15/2024</a:t>
+              <a:t>7/28/2024</a:t>
             </a:fld>
             <a:endParaRPr lang="en-US"/>
           </a:p>
@@ -2687,7 +2687,7 @@
             <a:fld id="{76969C88-B244-455D-A017-012B25B1ACDD}" type="datetimeFigureOut">
               <a:rPr lang="en-US" smtClean="0"/>
               <a:pPr/>
-              <a:t>7/15/2024</a:t>
+              <a:t>7/28/2024</a:t>
             </a:fld>
             <a:endParaRPr lang="en-US"/>
           </a:p>
@@ -2802,7 +2802,7 @@
             <a:fld id="{76969C88-B244-455D-A017-012B25B1ACDD}" type="datetimeFigureOut">
               <a:rPr lang="en-US" smtClean="0"/>
               <a:pPr/>
-              <a:t>7/15/2024</a:t>
+              <a:t>7/28/2024</a:t>
             </a:fld>
             <a:endParaRPr lang="en-US"/>
           </a:p>
@@ -3115,7 +3115,7 @@
             <a:fld id="{76969C88-B244-455D-A017-012B25B1ACDD}" type="datetimeFigureOut">
               <a:rPr lang="en-US" smtClean="0"/>
               <a:pPr/>
-              <a:t>7/15/2024</a:t>
+              <a:t>7/28/2024</a:t>
             </a:fld>
             <a:endParaRPr lang="en-US"/>
           </a:p>
@@ -3405,7 +3405,7 @@
             <a:fld id="{76969C88-B244-455D-A017-012B25B1ACDD}" type="datetimeFigureOut">
               <a:rPr lang="en-US" smtClean="0"/>
               <a:pPr/>
-              <a:t>7/15/2024</a:t>
+              <a:t>7/28/2024</a:t>
             </a:fld>
             <a:endParaRPr lang="en-US"/>
           </a:p>
@@ -3648,7 +3648,7 @@
             <a:fld id="{76969C88-B244-455D-A017-012B25B1ACDD}" type="datetimeFigureOut">
               <a:rPr lang="en-US" smtClean="0"/>
               <a:pPr/>
-              <a:t>7/15/2024</a:t>
+              <a:t>7/28/2024</a:t>
             </a:fld>
             <a:endParaRPr lang="en-US"/>
           </a:p>
@@ -6279,7 +6279,25 @@
                 </a:solidFill>
                 <a:sym typeface="Wingdings" panose="05000000000000000000" pitchFamily="2" charset="2"/>
               </a:rPr>
-              <a:t>interviste</a:t>
+              <a:t>Interviste</a:t>
+            </a:r>
+          </a:p>
+          <a:p>
+            <a:pPr marL="914400" lvl="1" indent="-457200">
+              <a:spcBef>
+                <a:spcPts val="1000"/>
+              </a:spcBef>
+              <a:buFont typeface="Arial" panose="020B0604020202020204" pitchFamily="34" charset="0"/>
+              <a:buChar char="•"/>
+            </a:pPr>
+            <a:r>
+              <a:rPr lang="it-IT" sz="1700">
+                <a:solidFill>
+                  <a:schemeClr val="bg1"/>
+                </a:solidFill>
+                <a:sym typeface="Wingdings" panose="05000000000000000000" pitchFamily="2" charset="2"/>
+              </a:rPr>
+              <a:t>Filmati</a:t>
             </a:r>
             <a:endParaRPr lang="it-IT" sz="1700" dirty="0">
               <a:solidFill>
@@ -8250,7 +8268,7 @@
         <p:spPr>
           <a:xfrm>
             <a:off x="371094" y="1161288"/>
-            <a:ext cx="3438144" cy="1124712"/>
+            <a:ext cx="3438906" cy="1124712"/>
           </a:xfrm>
         </p:spPr>
         <p:txBody>
@@ -8260,7 +8278,7 @@
           <a:lstStyle/>
           <a:p>
             <a:r>
-              <a:rPr lang="it-IT" sz="2800">
+              <a:rPr lang="it-IT" sz="2800" dirty="0">
                 <a:solidFill>
                   <a:schemeClr val="bg1"/>
                 </a:solidFill>
@@ -8477,7 +8495,7 @@
                   <a:schemeClr val="bg1"/>
                 </a:solidFill>
               </a:rPr>
-              <a:t>Navigazione tramite Mappa per visualizzare i lughi di conservazione sul territorio</a:t>
+              <a:t>Navigazione tramite Mappa per visualizzare i luoghi di conservazione sul territorio</a:t>
             </a:r>
           </a:p>
           <a:p>
